--- a/Presentations/EluNet Performance.pptx
+++ b/Presentations/EluNet Performance.pptx
@@ -5,13 +5,14 @@
     <p:sldMasterId id="2147483648" r:id="rId1"/>
   </p:sldMasterIdLst>
   <p:notesMasterIdLst>
-    <p:notesMasterId r:id="rId6"/>
+    <p:notesMasterId r:id="rId7"/>
   </p:notesMasterIdLst>
   <p:sldIdLst>
     <p:sldId id="256" r:id="rId2"/>
     <p:sldId id="257" r:id="rId3"/>
     <p:sldId id="258" r:id="rId4"/>
-    <p:sldId id="259" r:id="rId5"/>
+    <p:sldId id="260" r:id="rId5"/>
+    <p:sldId id="259" r:id="rId6"/>
   </p:sldIdLst>
   <p:sldSz cx="12192000" cy="6858000"/>
   <p:notesSz cx="6858000" cy="9144000"/>
@@ -200,7 +201,7 @@
           <a:p>
             <a:fld id="{5039ED66-D8E8-47E6-A01D-57B9DF4B228E}" type="datetimeFigureOut">
               <a:rPr lang="en-US" smtClean="0"/>
-              <a:t>7/28/2023</a:t>
+              <a:t>8/4/2023</a:t>
             </a:fld>
             <a:endParaRPr lang="en-US"/>
           </a:p>
@@ -614,7 +615,7 @@
           <a:p>
             <a:fld id="{DC7B4D83-866C-4F1F-B62F-9BDBA33C3E11}" type="datetime1">
               <a:rPr lang="en-US" smtClean="0"/>
-              <a:t>7/28/2023</a:t>
+              <a:t>8/4/2023</a:t>
             </a:fld>
             <a:endParaRPr lang="en-US"/>
           </a:p>
@@ -812,7 +813,7 @@
           <a:p>
             <a:fld id="{3021E575-2FC0-40D7-BE2A-CAD927DD0C32}" type="datetime1">
               <a:rPr lang="en-US" smtClean="0"/>
-              <a:t>7/28/2023</a:t>
+              <a:t>8/4/2023</a:t>
             </a:fld>
             <a:endParaRPr lang="en-US"/>
           </a:p>
@@ -1020,7 +1021,7 @@
           <a:p>
             <a:fld id="{8E6E75D9-27C6-4FE4-8360-EF3AB43B4999}" type="datetime1">
               <a:rPr lang="en-US" smtClean="0"/>
-              <a:t>7/28/2023</a:t>
+              <a:t>8/4/2023</a:t>
             </a:fld>
             <a:endParaRPr lang="en-US"/>
           </a:p>
@@ -1218,7 +1219,7 @@
           <a:p>
             <a:fld id="{F1690D9E-577D-4F66-AE56-1BB58AC94F40}" type="datetime1">
               <a:rPr lang="en-US" smtClean="0"/>
-              <a:t>7/28/2023</a:t>
+              <a:t>8/4/2023</a:t>
             </a:fld>
             <a:endParaRPr lang="en-US"/>
           </a:p>
@@ -1493,7 +1494,7 @@
           <a:p>
             <a:fld id="{D00B2169-2D12-4C44-8F0E-455ACA1600CF}" type="datetime1">
               <a:rPr lang="en-US" smtClean="0"/>
-              <a:t>7/28/2023</a:t>
+              <a:t>8/4/2023</a:t>
             </a:fld>
             <a:endParaRPr lang="en-US"/>
           </a:p>
@@ -1758,7 +1759,7 @@
           <a:p>
             <a:fld id="{45B151F5-ABAF-4FE0-8595-60066EAA08C4}" type="datetime1">
               <a:rPr lang="en-US" smtClean="0"/>
-              <a:t>7/28/2023</a:t>
+              <a:t>8/4/2023</a:t>
             </a:fld>
             <a:endParaRPr lang="en-US"/>
           </a:p>
@@ -2170,7 +2171,7 @@
           <a:p>
             <a:fld id="{F6960140-0574-41F6-8AB5-503ABD644C0C}" type="datetime1">
               <a:rPr lang="en-US" smtClean="0"/>
-              <a:t>7/28/2023</a:t>
+              <a:t>8/4/2023</a:t>
             </a:fld>
             <a:endParaRPr lang="en-US"/>
           </a:p>
@@ -2311,7 +2312,7 @@
           <a:p>
             <a:fld id="{953CD29A-07D9-4226-A01B-8A9892EACCFA}" type="datetime1">
               <a:rPr lang="en-US" smtClean="0"/>
-              <a:t>7/28/2023</a:t>
+              <a:t>8/4/2023</a:t>
             </a:fld>
             <a:endParaRPr lang="en-US"/>
           </a:p>
@@ -2424,7 +2425,7 @@
           <a:p>
             <a:fld id="{EAFEACB6-248B-4C5B-BFA3-52C27ED21FF1}" type="datetime1">
               <a:rPr lang="en-US" smtClean="0"/>
-              <a:t>7/28/2023</a:t>
+              <a:t>8/4/2023</a:t>
             </a:fld>
             <a:endParaRPr lang="en-US"/>
           </a:p>
@@ -2735,7 +2736,7 @@
           <a:p>
             <a:fld id="{C801D645-80BB-4903-B2F1-EAA7497411A0}" type="datetime1">
               <a:rPr lang="en-US" smtClean="0"/>
-              <a:t>7/28/2023</a:t>
+              <a:t>8/4/2023</a:t>
             </a:fld>
             <a:endParaRPr lang="en-US"/>
           </a:p>
@@ -3023,7 +3024,7 @@
           <a:p>
             <a:fld id="{478C536B-BF48-42F4-A698-2BAF7E6E3BA8}" type="datetime1">
               <a:rPr lang="en-US" smtClean="0"/>
-              <a:t>7/28/2023</a:t>
+              <a:t>8/4/2023</a:t>
             </a:fld>
             <a:endParaRPr lang="en-US"/>
           </a:p>
@@ -3264,7 +3265,7 @@
           <a:p>
             <a:fld id="{A3DB2246-92E3-4BAF-B32B-83AA4A31D257}" type="datetime1">
               <a:rPr lang="en-US" smtClean="0"/>
-              <a:t>7/28/2023</a:t>
+              <a:t>8/4/2023</a:t>
             </a:fld>
             <a:endParaRPr lang="en-US"/>
           </a:p>
@@ -4794,13 +4795,7 @@
           <p:cNvGraphicFramePr>
             <a:graphicFrameLocks noGrp="1"/>
           </p:cNvGraphicFramePr>
-          <p:nvPr>
-            <p:extLst>
-              <p:ext uri="{D42A27DB-BD31-4B8C-83A1-F6EECF244321}">
-                <p14:modId xmlns:p14="http://schemas.microsoft.com/office/powerpoint/2010/main" val="3623399592"/>
-              </p:ext>
-            </p:extLst>
-          </p:nvPr>
+          <p:nvPr/>
         </p:nvGraphicFramePr>
         <p:xfrm>
           <a:off x="2099731" y="2316480"/>
@@ -5201,7 +5196,7 @@
         </p:nvSpPr>
         <p:spPr>
           <a:xfrm>
-            <a:off x="2099731" y="3893688"/>
+            <a:off x="3194240" y="672887"/>
             <a:ext cx="8576734" cy="1643593"/>
           </a:xfrm>
           <a:prstGeom prst="rect">
@@ -5402,12 +5397,698 @@
           </a:p>
         </p:txBody>
       </p:sp>
-      <p:sp>
-        <p:nvSpPr>
-          <p:cNvPr id="19" name="Title 1">
-            <a:extLst>
-              <a:ext uri="{FF2B5EF4-FFF2-40B4-BE49-F238E27FC236}">
-                <a16:creationId xmlns:a16="http://schemas.microsoft.com/office/drawing/2014/main" id="{6EAE13B4-BC0B-CE27-4279-926E1AD6549B}"/>
+      <p:graphicFrame>
+        <p:nvGraphicFramePr>
+          <p:cNvPr id="3" name="Table 6">
+            <a:extLst>
+              <a:ext uri="{FF2B5EF4-FFF2-40B4-BE49-F238E27FC236}">
+                <a16:creationId xmlns:a16="http://schemas.microsoft.com/office/drawing/2014/main" id="{72824F06-E4BB-BC9C-B348-AF3E3E00BB30}"/>
+              </a:ext>
+            </a:extLst>
+          </p:cNvPr>
+          <p:cNvGraphicFramePr>
+            <a:graphicFrameLocks noGrp="1"/>
+          </p:cNvGraphicFramePr>
+          <p:nvPr>
+            <p:extLst>
+              <p:ext uri="{D42A27DB-BD31-4B8C-83A1-F6EECF244321}">
+                <p14:modId xmlns:p14="http://schemas.microsoft.com/office/powerpoint/2010/main" val="1966139666"/>
+              </p:ext>
+            </p:extLst>
+          </p:nvPr>
+        </p:nvGraphicFramePr>
+        <p:xfrm>
+          <a:off x="2031999" y="4618038"/>
+          <a:ext cx="8128002" cy="1112520"/>
+        </p:xfrm>
+        <a:graphic>
+          <a:graphicData uri="http://schemas.openxmlformats.org/drawingml/2006/table">
+            <a:tbl>
+              <a:tblPr firstRow="1" bandRow="1">
+                <a:tableStyleId>{5C22544A-7EE6-4342-B048-85BDC9FD1C3A}</a:tableStyleId>
+              </a:tblPr>
+              <a:tblGrid>
+                <a:gridCol w="1354667">
+                  <a:extLst>
+                    <a:ext uri="{9D8B030D-6E8A-4147-A177-3AD203B41FA5}">
+                      <a16:colId xmlns:a16="http://schemas.microsoft.com/office/drawing/2014/main" val="1311575405"/>
+                    </a:ext>
+                  </a:extLst>
+                </a:gridCol>
+                <a:gridCol w="1354667">
+                  <a:extLst>
+                    <a:ext uri="{9D8B030D-6E8A-4147-A177-3AD203B41FA5}">
+                      <a16:colId xmlns:a16="http://schemas.microsoft.com/office/drawing/2014/main" val="3721039761"/>
+                    </a:ext>
+                  </a:extLst>
+                </a:gridCol>
+                <a:gridCol w="1354667">
+                  <a:extLst>
+                    <a:ext uri="{9D8B030D-6E8A-4147-A177-3AD203B41FA5}">
+                      <a16:colId xmlns:a16="http://schemas.microsoft.com/office/drawing/2014/main" val="3129513732"/>
+                    </a:ext>
+                  </a:extLst>
+                </a:gridCol>
+                <a:gridCol w="1354667">
+                  <a:extLst>
+                    <a:ext uri="{9D8B030D-6E8A-4147-A177-3AD203B41FA5}">
+                      <a16:colId xmlns:a16="http://schemas.microsoft.com/office/drawing/2014/main" val="969696767"/>
+                    </a:ext>
+                  </a:extLst>
+                </a:gridCol>
+                <a:gridCol w="1354667">
+                  <a:extLst>
+                    <a:ext uri="{9D8B030D-6E8A-4147-A177-3AD203B41FA5}">
+                      <a16:colId xmlns:a16="http://schemas.microsoft.com/office/drawing/2014/main" val="2198474824"/>
+                    </a:ext>
+                  </a:extLst>
+                </a:gridCol>
+                <a:gridCol w="1354667">
+                  <a:extLst>
+                    <a:ext uri="{9D8B030D-6E8A-4147-A177-3AD203B41FA5}">
+                      <a16:colId xmlns:a16="http://schemas.microsoft.com/office/drawing/2014/main" val="1938157238"/>
+                    </a:ext>
+                  </a:extLst>
+                </a:gridCol>
+              </a:tblGrid>
+              <a:tr h="370840">
+                <a:tc>
+                  <a:txBody>
+                    <a:bodyPr/>
+                    <a:lstStyle/>
+                    <a:p>
+                      <a:pPr algn="ctr"/>
+                      <a:endParaRPr lang="en-US" dirty="0"/>
+                    </a:p>
+                  </a:txBody>
+                  <a:tcPr anchor="ctr"/>
+                </a:tc>
+                <a:tc>
+                  <a:txBody>
+                    <a:bodyPr/>
+                    <a:lstStyle/>
+                    <a:p>
+                      <a:pPr algn="ctr"/>
+                      <a:r>
+                        <a:rPr lang="en-US" dirty="0"/>
+                        <a:t>X3000</a:t>
+                      </a:r>
+                    </a:p>
+                  </a:txBody>
+                  <a:tcPr anchor="ctr"/>
+                </a:tc>
+                <a:tc>
+                  <a:txBody>
+                    <a:bodyPr/>
+                    <a:lstStyle/>
+                    <a:p>
+                      <a:pPr algn="ctr"/>
+                      <a:r>
+                        <a:rPr lang="en-US" dirty="0"/>
+                        <a:t>X5000</a:t>
+                      </a:r>
+                    </a:p>
+                  </a:txBody>
+                  <a:tcPr anchor="ctr">
+                    <a:lnB w="38100" cap="flat" cmpd="sng" algn="ctr">
+                      <a:solidFill>
+                        <a:srgbClr val="FFFF00"/>
+                      </a:solidFill>
+                      <a:prstDash val="solid"/>
+                      <a:round/>
+                      <a:headEnd type="none" w="med" len="med"/>
+                      <a:tailEnd type="none" w="med" len="med"/>
+                    </a:lnB>
+                  </a:tcPr>
+                </a:tc>
+                <a:tc>
+                  <a:txBody>
+                    <a:bodyPr/>
+                    <a:lstStyle/>
+                    <a:p>
+                      <a:pPr algn="ctr"/>
+                      <a:r>
+                        <a:rPr lang="en-US" dirty="0"/>
+                        <a:t>A type</a:t>
+                      </a:r>
+                    </a:p>
+                  </a:txBody>
+                  <a:tcPr anchor="ctr"/>
+                </a:tc>
+                <a:tc>
+                  <a:txBody>
+                    <a:bodyPr/>
+                    <a:lstStyle/>
+                    <a:p>
+                      <a:pPr algn="ctr"/>
+                      <a:r>
+                        <a:rPr lang="en-US" dirty="0"/>
+                        <a:t>D3 type</a:t>
+                      </a:r>
+                    </a:p>
+                  </a:txBody>
+                  <a:tcPr anchor="ctr">
+                    <a:lnB w="38100" cap="flat" cmpd="sng" algn="ctr">
+                      <a:solidFill>
+                        <a:srgbClr val="FFFF00"/>
+                      </a:solidFill>
+                      <a:prstDash val="solid"/>
+                      <a:round/>
+                      <a:headEnd type="none" w="med" len="med"/>
+                      <a:tailEnd type="none" w="med" len="med"/>
+                    </a:lnB>
+                  </a:tcPr>
+                </a:tc>
+                <a:tc>
+                  <a:txBody>
+                    <a:bodyPr/>
+                    <a:lstStyle/>
+                    <a:p>
+                      <a:pPr algn="ctr"/>
+                      <a:r>
+                        <a:rPr lang="en-US" dirty="0"/>
+                        <a:t>H2 type</a:t>
+                      </a:r>
+                    </a:p>
+                  </a:txBody>
+                  <a:tcPr anchor="ctr">
+                    <a:lnB w="38100" cap="flat" cmpd="sng" algn="ctr">
+                      <a:solidFill>
+                        <a:srgbClr val="FFFF00"/>
+                      </a:solidFill>
+                      <a:prstDash val="solid"/>
+                      <a:round/>
+                      <a:headEnd type="none" w="med" len="med"/>
+                      <a:tailEnd type="none" w="med" len="med"/>
+                    </a:lnB>
+                  </a:tcPr>
+                </a:tc>
+                <a:extLst>
+                  <a:ext uri="{0D108BD9-81ED-4DB2-BD59-A6C34878D82A}">
+                    <a16:rowId xmlns:a16="http://schemas.microsoft.com/office/drawing/2014/main" val="3886530081"/>
+                  </a:ext>
+                </a:extLst>
+              </a:tr>
+              <a:tr h="370840">
+                <a:tc>
+                  <a:txBody>
+                    <a:bodyPr/>
+                    <a:lstStyle/>
+                    <a:p>
+                      <a:pPr algn="ctr"/>
+                      <a:r>
+                        <a:rPr lang="en-US" dirty="0"/>
+                        <a:t>UNet3+</a:t>
+                      </a:r>
+                    </a:p>
+                  </a:txBody>
+                  <a:tcPr anchor="ctr"/>
+                </a:tc>
+                <a:tc>
+                  <a:txBody>
+                    <a:bodyPr/>
+                    <a:lstStyle/>
+                    <a:p>
+                      <a:pPr algn="ctr"/>
+                      <a:r>
+                        <a:rPr lang="en-US" dirty="0"/>
+                        <a:t>0.7809</a:t>
+                      </a:r>
+                    </a:p>
+                  </a:txBody>
+                  <a:tcPr anchor="ctr">
+                    <a:lnR w="38100" cap="flat" cmpd="sng" algn="ctr">
+                      <a:solidFill>
+                        <a:srgbClr val="FFFF00"/>
+                      </a:solidFill>
+                      <a:prstDash val="solid"/>
+                      <a:round/>
+                      <a:headEnd type="none" w="med" len="med"/>
+                      <a:tailEnd type="none" w="med" len="med"/>
+                    </a:lnR>
+                    <a:lnB w="38100" cap="flat" cmpd="sng" algn="ctr">
+                      <a:solidFill>
+                        <a:srgbClr val="FFFF00"/>
+                      </a:solidFill>
+                      <a:prstDash val="solid"/>
+                      <a:round/>
+                      <a:headEnd type="none" w="med" len="med"/>
+                      <a:tailEnd type="none" w="med" len="med"/>
+                    </a:lnB>
+                  </a:tcPr>
+                </a:tc>
+                <a:tc>
+                  <a:txBody>
+                    <a:bodyPr/>
+                    <a:lstStyle/>
+                    <a:p>
+                      <a:pPr algn="ctr"/>
+                      <a:r>
+                        <a:rPr lang="en-US" dirty="0"/>
+                        <a:t>0.8895</a:t>
+                      </a:r>
+                    </a:p>
+                  </a:txBody>
+                  <a:tcPr anchor="ctr">
+                    <a:lnL w="38100" cap="flat" cmpd="sng" algn="ctr">
+                      <a:solidFill>
+                        <a:srgbClr val="FFFF00"/>
+                      </a:solidFill>
+                      <a:prstDash val="solid"/>
+                      <a:round/>
+                      <a:headEnd type="none" w="med" len="med"/>
+                      <a:tailEnd type="none" w="med" len="med"/>
+                    </a:lnL>
+                    <a:lnR w="38100" cap="flat" cmpd="sng" algn="ctr">
+                      <a:solidFill>
+                        <a:srgbClr val="FFFF00"/>
+                      </a:solidFill>
+                      <a:prstDash val="solid"/>
+                      <a:round/>
+                      <a:headEnd type="none" w="med" len="med"/>
+                      <a:tailEnd type="none" w="med" len="med"/>
+                    </a:lnR>
+                    <a:lnT w="38100" cap="flat" cmpd="sng" algn="ctr">
+                      <a:solidFill>
+                        <a:srgbClr val="FFFF00"/>
+                      </a:solidFill>
+                      <a:prstDash val="solid"/>
+                      <a:round/>
+                      <a:headEnd type="none" w="med" len="med"/>
+                      <a:tailEnd type="none" w="med" len="med"/>
+                    </a:lnT>
+                    <a:lnB w="38100" cap="flat" cmpd="sng" algn="ctr">
+                      <a:solidFill>
+                        <a:srgbClr val="FFFF00"/>
+                      </a:solidFill>
+                      <a:prstDash val="solid"/>
+                      <a:round/>
+                      <a:headEnd type="none" w="med" len="med"/>
+                      <a:tailEnd type="none" w="med" len="med"/>
+                    </a:lnB>
+                  </a:tcPr>
+                </a:tc>
+                <a:tc>
+                  <a:txBody>
+                    <a:bodyPr/>
+                    <a:lstStyle/>
+                    <a:p>
+                      <a:pPr algn="ctr"/>
+                      <a:r>
+                        <a:rPr lang="en-US" dirty="0"/>
+                        <a:t>0.7293</a:t>
+                      </a:r>
+                    </a:p>
+                  </a:txBody>
+                  <a:tcPr anchor="ctr">
+                    <a:lnL w="38100" cap="flat" cmpd="sng" algn="ctr">
+                      <a:solidFill>
+                        <a:srgbClr val="FFFF00"/>
+                      </a:solidFill>
+                      <a:prstDash val="solid"/>
+                      <a:round/>
+                      <a:headEnd type="none" w="med" len="med"/>
+                      <a:tailEnd type="none" w="med" len="med"/>
+                    </a:lnL>
+                    <a:lnR w="38100" cap="flat" cmpd="sng" algn="ctr">
+                      <a:solidFill>
+                        <a:srgbClr val="FFFF00"/>
+                      </a:solidFill>
+                      <a:prstDash val="solid"/>
+                      <a:round/>
+                      <a:headEnd type="none" w="med" len="med"/>
+                      <a:tailEnd type="none" w="med" len="med"/>
+                    </a:lnR>
+                    <a:lnB w="38100" cap="flat" cmpd="sng" algn="ctr">
+                      <a:solidFill>
+                        <a:srgbClr val="FFFF00"/>
+                      </a:solidFill>
+                      <a:prstDash val="solid"/>
+                      <a:round/>
+                      <a:headEnd type="none" w="med" len="med"/>
+                      <a:tailEnd type="none" w="med" len="med"/>
+                    </a:lnB>
+                  </a:tcPr>
+                </a:tc>
+                <a:tc>
+                  <a:txBody>
+                    <a:bodyPr/>
+                    <a:lstStyle/>
+                    <a:p>
+                      <a:pPr algn="ctr"/>
+                      <a:r>
+                        <a:rPr lang="en-US" dirty="0"/>
+                        <a:t>0.7692</a:t>
+                      </a:r>
+                    </a:p>
+                  </a:txBody>
+                  <a:tcPr anchor="ctr">
+                    <a:lnL w="38100" cap="flat" cmpd="sng" algn="ctr">
+                      <a:solidFill>
+                        <a:srgbClr val="FFFF00"/>
+                      </a:solidFill>
+                      <a:prstDash val="solid"/>
+                      <a:round/>
+                      <a:headEnd type="none" w="med" len="med"/>
+                      <a:tailEnd type="none" w="med" len="med"/>
+                    </a:lnL>
+                    <a:lnR w="38100" cap="flat" cmpd="sng" algn="ctr">
+                      <a:solidFill>
+                        <a:srgbClr val="FFFF00"/>
+                      </a:solidFill>
+                      <a:prstDash val="solid"/>
+                      <a:round/>
+                      <a:headEnd type="none" w="med" len="med"/>
+                      <a:tailEnd type="none" w="med" len="med"/>
+                    </a:lnR>
+                    <a:lnT w="38100" cap="flat" cmpd="sng" algn="ctr">
+                      <a:solidFill>
+                        <a:srgbClr val="FFFF00"/>
+                      </a:solidFill>
+                      <a:prstDash val="solid"/>
+                      <a:round/>
+                      <a:headEnd type="none" w="med" len="med"/>
+                      <a:tailEnd type="none" w="med" len="med"/>
+                    </a:lnT>
+                    <a:lnB w="38100" cap="flat" cmpd="sng" algn="ctr">
+                      <a:solidFill>
+                        <a:srgbClr val="FFFF00"/>
+                      </a:solidFill>
+                      <a:prstDash val="solid"/>
+                      <a:round/>
+                      <a:headEnd type="none" w="med" len="med"/>
+                      <a:tailEnd type="none" w="med" len="med"/>
+                    </a:lnB>
+                  </a:tcPr>
+                </a:tc>
+                <a:tc>
+                  <a:txBody>
+                    <a:bodyPr/>
+                    <a:lstStyle/>
+                    <a:p>
+                      <a:pPr algn="ctr"/>
+                      <a:r>
+                        <a:rPr lang="en-US" dirty="0"/>
+                        <a:t>0.7471</a:t>
+                      </a:r>
+                    </a:p>
+                  </a:txBody>
+                  <a:tcPr anchor="ctr">
+                    <a:lnL w="38100" cap="flat" cmpd="sng" algn="ctr">
+                      <a:solidFill>
+                        <a:srgbClr val="FFFF00"/>
+                      </a:solidFill>
+                      <a:prstDash val="solid"/>
+                      <a:round/>
+                      <a:headEnd type="none" w="med" len="med"/>
+                      <a:tailEnd type="none" w="med" len="med"/>
+                    </a:lnL>
+                    <a:lnR w="38100" cap="flat" cmpd="sng" algn="ctr">
+                      <a:solidFill>
+                        <a:srgbClr val="FFFF00"/>
+                      </a:solidFill>
+                      <a:prstDash val="solid"/>
+                      <a:round/>
+                      <a:headEnd type="none" w="med" len="med"/>
+                      <a:tailEnd type="none" w="med" len="med"/>
+                    </a:lnR>
+                    <a:lnT w="38100" cap="flat" cmpd="sng" algn="ctr">
+                      <a:solidFill>
+                        <a:srgbClr val="FFFF00"/>
+                      </a:solidFill>
+                      <a:prstDash val="solid"/>
+                      <a:round/>
+                      <a:headEnd type="none" w="med" len="med"/>
+                      <a:tailEnd type="none" w="med" len="med"/>
+                    </a:lnT>
+                    <a:lnB w="38100" cap="flat" cmpd="sng" algn="ctr">
+                      <a:solidFill>
+                        <a:srgbClr val="FFFF00"/>
+                      </a:solidFill>
+                      <a:prstDash val="solid"/>
+                      <a:round/>
+                      <a:headEnd type="none" w="med" len="med"/>
+                      <a:tailEnd type="none" w="med" len="med"/>
+                    </a:lnB>
+                  </a:tcPr>
+                </a:tc>
+                <a:extLst>
+                  <a:ext uri="{0D108BD9-81ED-4DB2-BD59-A6C34878D82A}">
+                    <a16:rowId xmlns:a16="http://schemas.microsoft.com/office/drawing/2014/main" val="1888863268"/>
+                  </a:ext>
+                </a:extLst>
+              </a:tr>
+              <a:tr h="370840">
+                <a:tc>
+                  <a:txBody>
+                    <a:bodyPr/>
+                    <a:lstStyle/>
+                    <a:p>
+                      <a:pPr algn="ctr"/>
+                      <a:r>
+                        <a:rPr lang="en-US" dirty="0" err="1"/>
+                        <a:t>EluNet</a:t>
+                      </a:r>
+                      <a:endParaRPr lang="en-US" dirty="0"/>
+                    </a:p>
+                  </a:txBody>
+                  <a:tcPr anchor="ctr">
+                    <a:lnR w="38100" cap="flat" cmpd="sng" algn="ctr">
+                      <a:solidFill>
+                        <a:srgbClr val="FFFF00"/>
+                      </a:solidFill>
+                      <a:prstDash val="solid"/>
+                      <a:round/>
+                      <a:headEnd type="none" w="med" len="med"/>
+                      <a:tailEnd type="none" w="med" len="med"/>
+                    </a:lnR>
+                  </a:tcPr>
+                </a:tc>
+                <a:tc>
+                  <a:txBody>
+                    <a:bodyPr/>
+                    <a:lstStyle/>
+                    <a:p>
+                      <a:pPr algn="ctr"/>
+                      <a:r>
+                        <a:rPr lang="en-US" dirty="0"/>
+                        <a:t>0.7823</a:t>
+                      </a:r>
+                    </a:p>
+                  </a:txBody>
+                  <a:tcPr anchor="ctr">
+                    <a:lnL w="38100" cap="flat" cmpd="sng" algn="ctr">
+                      <a:solidFill>
+                        <a:srgbClr val="FFFF00"/>
+                      </a:solidFill>
+                      <a:prstDash val="solid"/>
+                      <a:round/>
+                      <a:headEnd type="none" w="med" len="med"/>
+                      <a:tailEnd type="none" w="med" len="med"/>
+                    </a:lnL>
+                    <a:lnR w="38100" cap="flat" cmpd="sng" algn="ctr">
+                      <a:solidFill>
+                        <a:srgbClr val="FFFF00"/>
+                      </a:solidFill>
+                      <a:prstDash val="solid"/>
+                      <a:round/>
+                      <a:headEnd type="none" w="med" len="med"/>
+                      <a:tailEnd type="none" w="med" len="med"/>
+                    </a:lnR>
+                    <a:lnT w="38100" cap="flat" cmpd="sng" algn="ctr">
+                      <a:solidFill>
+                        <a:srgbClr val="FFFF00"/>
+                      </a:solidFill>
+                      <a:prstDash val="solid"/>
+                      <a:round/>
+                      <a:headEnd type="none" w="med" len="med"/>
+                      <a:tailEnd type="none" w="med" len="med"/>
+                    </a:lnT>
+                    <a:lnB w="38100" cap="flat" cmpd="sng" algn="ctr">
+                      <a:solidFill>
+                        <a:srgbClr val="FFFF00"/>
+                      </a:solidFill>
+                      <a:prstDash val="solid"/>
+                      <a:round/>
+                      <a:headEnd type="none" w="med" len="med"/>
+                      <a:tailEnd type="none" w="med" len="med"/>
+                    </a:lnB>
+                    <a:lnTlToBr w="12700" cmpd="sng">
+                      <a:noFill/>
+                      <a:prstDash val="solid"/>
+                    </a:lnTlToBr>
+                    <a:lnBlToTr w="12700" cmpd="sng">
+                      <a:noFill/>
+                      <a:prstDash val="solid"/>
+                    </a:lnBlToTr>
+                  </a:tcPr>
+                </a:tc>
+                <a:tc>
+                  <a:txBody>
+                    <a:bodyPr/>
+                    <a:lstStyle/>
+                    <a:p>
+                      <a:pPr algn="ctr"/>
+                      <a:r>
+                        <a:rPr lang="en-US" dirty="0"/>
+                        <a:t>0.8574</a:t>
+                      </a:r>
+                    </a:p>
+                  </a:txBody>
+                  <a:tcPr anchor="ctr">
+                    <a:lnL w="38100" cap="flat" cmpd="sng" algn="ctr">
+                      <a:solidFill>
+                        <a:srgbClr val="FFFF00"/>
+                      </a:solidFill>
+                      <a:prstDash val="solid"/>
+                      <a:round/>
+                      <a:headEnd type="none" w="med" len="med"/>
+                      <a:tailEnd type="none" w="med" len="med"/>
+                    </a:lnL>
+                    <a:lnR w="38100" cap="flat" cmpd="sng" algn="ctr">
+                      <a:solidFill>
+                        <a:srgbClr val="FFFF00"/>
+                      </a:solidFill>
+                      <a:prstDash val="solid"/>
+                      <a:round/>
+                      <a:headEnd type="none" w="med" len="med"/>
+                      <a:tailEnd type="none" w="med" len="med"/>
+                    </a:lnR>
+                    <a:lnT w="38100" cap="flat" cmpd="sng" algn="ctr">
+                      <a:solidFill>
+                        <a:srgbClr val="FFFF00"/>
+                      </a:solidFill>
+                      <a:prstDash val="solid"/>
+                      <a:round/>
+                      <a:headEnd type="none" w="med" len="med"/>
+                      <a:tailEnd type="none" w="med" len="med"/>
+                    </a:lnT>
+                  </a:tcPr>
+                </a:tc>
+                <a:tc>
+                  <a:txBody>
+                    <a:bodyPr/>
+                    <a:lstStyle/>
+                    <a:p>
+                      <a:pPr algn="ctr"/>
+                      <a:r>
+                        <a:rPr lang="en-US" dirty="0"/>
+                        <a:t>0.7470</a:t>
+                      </a:r>
+                    </a:p>
+                  </a:txBody>
+                  <a:tcPr anchor="ctr">
+                    <a:lnL w="38100" cap="flat" cmpd="sng" algn="ctr">
+                      <a:solidFill>
+                        <a:srgbClr val="FFFF00"/>
+                      </a:solidFill>
+                      <a:prstDash val="solid"/>
+                      <a:round/>
+                      <a:headEnd type="none" w="med" len="med"/>
+                      <a:tailEnd type="none" w="med" len="med"/>
+                    </a:lnL>
+                    <a:lnR w="38100" cap="flat" cmpd="sng" algn="ctr">
+                      <a:solidFill>
+                        <a:srgbClr val="FFFF00"/>
+                      </a:solidFill>
+                      <a:prstDash val="solid"/>
+                      <a:round/>
+                      <a:headEnd type="none" w="med" len="med"/>
+                      <a:tailEnd type="none" w="med" len="med"/>
+                    </a:lnR>
+                    <a:lnT w="38100" cap="flat" cmpd="sng" algn="ctr">
+                      <a:solidFill>
+                        <a:srgbClr val="FFFF00"/>
+                      </a:solidFill>
+                      <a:prstDash val="solid"/>
+                      <a:round/>
+                      <a:headEnd type="none" w="med" len="med"/>
+                      <a:tailEnd type="none" w="med" len="med"/>
+                    </a:lnT>
+                    <a:lnB w="38100" cap="flat" cmpd="sng" algn="ctr">
+                      <a:solidFill>
+                        <a:srgbClr val="FFFF00"/>
+                      </a:solidFill>
+                      <a:prstDash val="solid"/>
+                      <a:round/>
+                      <a:headEnd type="none" w="med" len="med"/>
+                      <a:tailEnd type="none" w="med" len="med"/>
+                    </a:lnB>
+                  </a:tcPr>
+                </a:tc>
+                <a:tc>
+                  <a:txBody>
+                    <a:bodyPr/>
+                    <a:lstStyle/>
+                    <a:p>
+                      <a:pPr algn="ctr"/>
+                      <a:r>
+                        <a:rPr lang="en-US" dirty="0"/>
+                        <a:t>0.7340</a:t>
+                      </a:r>
+                    </a:p>
+                  </a:txBody>
+                  <a:tcPr anchor="ctr">
+                    <a:lnL w="38100" cap="flat" cmpd="sng" algn="ctr">
+                      <a:solidFill>
+                        <a:srgbClr val="FFFF00"/>
+                      </a:solidFill>
+                      <a:prstDash val="solid"/>
+                      <a:round/>
+                      <a:headEnd type="none" w="med" len="med"/>
+                      <a:tailEnd type="none" w="med" len="med"/>
+                    </a:lnL>
+                    <a:lnT w="38100" cap="flat" cmpd="sng" algn="ctr">
+                      <a:solidFill>
+                        <a:srgbClr val="FFFF00"/>
+                      </a:solidFill>
+                      <a:prstDash val="solid"/>
+                      <a:round/>
+                      <a:headEnd type="none" w="med" len="med"/>
+                      <a:tailEnd type="none" w="med" len="med"/>
+                    </a:lnT>
+                  </a:tcPr>
+                </a:tc>
+                <a:tc>
+                  <a:txBody>
+                    <a:bodyPr/>
+                    <a:lstStyle/>
+                    <a:p>
+                      <a:pPr algn="ctr"/>
+                      <a:r>
+                        <a:rPr lang="en-US" dirty="0"/>
+                        <a:t>0.7132</a:t>
+                      </a:r>
+                    </a:p>
+                  </a:txBody>
+                  <a:tcPr anchor="ctr">
+                    <a:lnT w="38100" cap="flat" cmpd="sng" algn="ctr">
+                      <a:solidFill>
+                        <a:srgbClr val="FFFF00"/>
+                      </a:solidFill>
+                      <a:prstDash val="solid"/>
+                      <a:round/>
+                      <a:headEnd type="none" w="med" len="med"/>
+                      <a:tailEnd type="none" w="med" len="med"/>
+                    </a:lnT>
+                  </a:tcPr>
+                </a:tc>
+                <a:extLst>
+                  <a:ext uri="{0D108BD9-81ED-4DB2-BD59-A6C34878D82A}">
+                    <a16:rowId xmlns:a16="http://schemas.microsoft.com/office/drawing/2014/main" val="1188569585"/>
+                  </a:ext>
+                </a:extLst>
+              </a:tr>
+            </a:tbl>
+          </a:graphicData>
+        </a:graphic>
+      </p:graphicFrame>
+      <p:sp>
+        <p:nvSpPr>
+          <p:cNvPr id="6" name="Title 1">
+            <a:extLst>
+              <a:ext uri="{FF2B5EF4-FFF2-40B4-BE49-F238E27FC236}">
+                <a16:creationId xmlns:a16="http://schemas.microsoft.com/office/drawing/2014/main" id="{2F7EDFA7-3EDE-521B-BEFE-772E7107C756}"/>
               </a:ext>
             </a:extLst>
           </p:cNvPr>
@@ -5418,8 +6099,8 @@
         </p:nvSpPr>
         <p:spPr>
           <a:xfrm>
-            <a:off x="1405464" y="5687489"/>
-            <a:ext cx="8983136" cy="449871"/>
+            <a:off x="9169401" y="5730558"/>
+            <a:ext cx="1320800" cy="449871"/>
           </a:xfrm>
           <a:prstGeom prst="rect">
             <a:avLst/>
@@ -5427,7 +6108,7 @@
         </p:spPr>
         <p:txBody>
           <a:bodyPr vert="horz" lIns="91440" tIns="45720" rIns="91440" bIns="45720" rtlCol="0" anchor="ctr">
-            <a:normAutofit fontScale="92500" lnSpcReduction="10000"/>
+            <a:normAutofit/>
           </a:bodyPr>
           <a:lstStyle>
             <a:lvl1pPr algn="l" defTabSz="914400" rtl="0" eaLnBrk="1" latinLnBrk="0" hangingPunct="1">
@@ -5450,22 +6131,714 @@
           </a:lstStyle>
           <a:p>
             <a:r>
-              <a:rPr lang="en-US" sz="1500" dirty="0">
+              <a:rPr lang="en-US" sz="1500" dirty="0"/>
+              <a:t>Dice Scores</a:t>
+            </a:r>
+          </a:p>
+        </p:txBody>
+      </p:sp>
+      <p:sp>
+        <p:nvSpPr>
+          <p:cNvPr id="8" name="Title 1">
+            <a:extLst>
+              <a:ext uri="{FF2B5EF4-FFF2-40B4-BE49-F238E27FC236}">
+                <a16:creationId xmlns:a16="http://schemas.microsoft.com/office/drawing/2014/main" id="{5290BD21-A935-5AC0-5081-2B5D58C62479}"/>
+              </a:ext>
+            </a:extLst>
+          </p:cNvPr>
+          <p:cNvSpPr txBox="1">
+            <a:spLocks/>
+          </p:cNvSpPr>
+          <p:nvPr/>
+        </p:nvSpPr>
+        <p:spPr>
+          <a:xfrm>
+            <a:off x="838201" y="4949362"/>
+            <a:ext cx="1320800" cy="449871"/>
+          </a:xfrm>
+          <a:prstGeom prst="rect">
+            <a:avLst/>
+          </a:prstGeom>
+        </p:spPr>
+        <p:txBody>
+          <a:bodyPr vert="horz" lIns="91440" tIns="45720" rIns="91440" bIns="45720" rtlCol="0" anchor="ctr">
+            <a:normAutofit/>
+          </a:bodyPr>
+          <a:lstStyle>
+            <a:lvl1pPr algn="l" defTabSz="914400" rtl="0" eaLnBrk="1" latinLnBrk="0" hangingPunct="1">
+              <a:lnSpc>
+                <a:spcPct val="90000"/>
+              </a:lnSpc>
+              <a:spcBef>
+                <a:spcPct val="0"/>
+              </a:spcBef>
+              <a:buNone/>
+              <a:defRPr sz="4400" kern="1200">
                 <a:solidFill>
-                  <a:srgbClr val="00B050"/>
+                  <a:schemeClr val="tx1"/>
                 </a:solidFill>
-              </a:rPr>
-              <a:t>Might perform better if we keep waiting for the output after 50 epochs~</a:t>
-            </a:r>
-          </a:p>
-          <a:p>
-            <a:r>
-              <a:rPr lang="en-US" sz="1500" dirty="0">
+                <a:latin typeface="+mj-lt"/>
+                <a:ea typeface="+mj-ea"/>
+                <a:cs typeface="+mj-cs"/>
+              </a:defRPr>
+            </a:lvl1pPr>
+          </a:lstStyle>
+          <a:p>
+            <a:r>
+              <a:rPr lang="en-US" sz="1500" dirty="0"/>
+              <a:t>50 Epochs</a:t>
+            </a:r>
+          </a:p>
+        </p:txBody>
+      </p:sp>
+      <p:sp>
+        <p:nvSpPr>
+          <p:cNvPr id="10" name="Title 1">
+            <a:extLst>
+              <a:ext uri="{FF2B5EF4-FFF2-40B4-BE49-F238E27FC236}">
+                <a16:creationId xmlns:a16="http://schemas.microsoft.com/office/drawing/2014/main" id="{16AB9C76-3423-5BFB-F115-029D01C53429}"/>
+              </a:ext>
+            </a:extLst>
+          </p:cNvPr>
+          <p:cNvSpPr txBox="1">
+            <a:spLocks/>
+          </p:cNvSpPr>
+          <p:nvPr/>
+        </p:nvSpPr>
+        <p:spPr>
+          <a:xfrm>
+            <a:off x="838201" y="5339960"/>
+            <a:ext cx="1320800" cy="449871"/>
+          </a:xfrm>
+          <a:prstGeom prst="rect">
+            <a:avLst/>
+          </a:prstGeom>
+        </p:spPr>
+        <p:txBody>
+          <a:bodyPr vert="horz" lIns="91440" tIns="45720" rIns="91440" bIns="45720" rtlCol="0" anchor="ctr">
+            <a:normAutofit/>
+          </a:bodyPr>
+          <a:lstStyle>
+            <a:lvl1pPr algn="l" defTabSz="914400" rtl="0" eaLnBrk="1" latinLnBrk="0" hangingPunct="1">
+              <a:lnSpc>
+                <a:spcPct val="90000"/>
+              </a:lnSpc>
+              <a:spcBef>
+                <a:spcPct val="0"/>
+              </a:spcBef>
+              <a:buNone/>
+              <a:defRPr sz="4400" kern="1200">
                 <a:solidFill>
-                  <a:srgbClr val="00B050"/>
+                  <a:schemeClr val="tx1"/>
                 </a:solidFill>
-              </a:rPr>
-              <a:t>Since I set to save model ever 10 Epochs, this is the preliminary result. </a:t>
+                <a:latin typeface="+mj-lt"/>
+                <a:ea typeface="+mj-ea"/>
+                <a:cs typeface="+mj-cs"/>
+              </a:defRPr>
+            </a:lvl1pPr>
+          </a:lstStyle>
+          <a:p>
+            <a:r>
+              <a:rPr lang="en-US" sz="1500" dirty="0"/>
+              <a:t>50 Epochs</a:t>
+            </a:r>
+          </a:p>
+        </p:txBody>
+      </p:sp>
+    </p:spTree>
+    <p:extLst>
+      <p:ext uri="{BB962C8B-B14F-4D97-AF65-F5344CB8AC3E}">
+        <p14:creationId xmlns:p14="http://schemas.microsoft.com/office/powerpoint/2010/main" val="328681462"/>
+      </p:ext>
+    </p:extLst>
+  </p:cSld>
+  <p:clrMapOvr>
+    <a:masterClrMapping/>
+  </p:clrMapOvr>
+</p:sld>
+</file>
+
+<file path=ppt/slides/slide5.xml><?xml version="1.0" encoding="utf-8"?>
+<p:sld xmlns:a="http://schemas.openxmlformats.org/drawingml/2006/main" xmlns:r="http://schemas.openxmlformats.org/officeDocument/2006/relationships" xmlns:p="http://schemas.openxmlformats.org/presentationml/2006/main">
+  <p:cSld>
+    <p:spTree>
+      <p:nvGrpSpPr>
+        <p:cNvPr id="1" name=""/>
+        <p:cNvGrpSpPr/>
+        <p:nvPr/>
+      </p:nvGrpSpPr>
+      <p:grpSpPr>
+        <a:xfrm>
+          <a:off x="0" y="0"/>
+          <a:ext cx="0" cy="0"/>
+          <a:chOff x="0" y="0"/>
+          <a:chExt cx="0" cy="0"/>
+        </a:xfrm>
+      </p:grpSpPr>
+      <p:sp>
+        <p:nvSpPr>
+          <p:cNvPr id="2" name="Title 1">
+            <a:extLst>
+              <a:ext uri="{FF2B5EF4-FFF2-40B4-BE49-F238E27FC236}">
+                <a16:creationId xmlns:a16="http://schemas.microsoft.com/office/drawing/2014/main" id="{BA898099-DC0F-1385-F05A-F2EC4E5D140F}"/>
+              </a:ext>
+            </a:extLst>
+          </p:cNvPr>
+          <p:cNvSpPr>
+            <a:spLocks noGrp="1"/>
+          </p:cNvSpPr>
+          <p:nvPr>
+            <p:ph type="title"/>
+          </p:nvPr>
+        </p:nvSpPr>
+        <p:spPr/>
+        <p:txBody>
+          <a:bodyPr/>
+          <a:lstStyle/>
+          <a:p>
+            <a:r>
+              <a:rPr lang="en-US" dirty="0"/>
+              <a:t>Final Results</a:t>
+            </a:r>
+          </a:p>
+        </p:txBody>
+      </p:sp>
+      <p:sp>
+        <p:nvSpPr>
+          <p:cNvPr id="4" name="Slide Number Placeholder 3">
+            <a:extLst>
+              <a:ext uri="{FF2B5EF4-FFF2-40B4-BE49-F238E27FC236}">
+                <a16:creationId xmlns:a16="http://schemas.microsoft.com/office/drawing/2014/main" id="{0F3E9586-C428-7399-BB7A-7C4493DA0C29}"/>
+              </a:ext>
+            </a:extLst>
+          </p:cNvPr>
+          <p:cNvSpPr>
+            <a:spLocks noGrp="1"/>
+          </p:cNvSpPr>
+          <p:nvPr>
+            <p:ph type="sldNum" sz="quarter" idx="12"/>
+          </p:nvPr>
+        </p:nvSpPr>
+        <p:spPr/>
+        <p:txBody>
+          <a:bodyPr/>
+          <a:lstStyle/>
+          <a:p>
+            <a:fld id="{0D689FCD-5BDC-4EF3-8409-B78E46AB2CC0}" type="slidenum">
+              <a:rPr lang="en-US" smtClean="0"/>
+              <a:t>5</a:t>
+            </a:fld>
+            <a:endParaRPr lang="en-US"/>
+          </a:p>
+        </p:txBody>
+      </p:sp>
+      <p:graphicFrame>
+        <p:nvGraphicFramePr>
+          <p:cNvPr id="5" name="Table 6">
+            <a:extLst>
+              <a:ext uri="{FF2B5EF4-FFF2-40B4-BE49-F238E27FC236}">
+                <a16:creationId xmlns:a16="http://schemas.microsoft.com/office/drawing/2014/main" id="{B16A1341-554B-CD23-BEF6-E50FBD40DA43}"/>
+              </a:ext>
+            </a:extLst>
+          </p:cNvPr>
+          <p:cNvGraphicFramePr>
+            <a:graphicFrameLocks noGrp="1"/>
+          </p:cNvGraphicFramePr>
+          <p:nvPr>
+            <p:extLst>
+              <p:ext uri="{D42A27DB-BD31-4B8C-83A1-F6EECF244321}">
+                <p14:modId xmlns:p14="http://schemas.microsoft.com/office/powerpoint/2010/main" val="1627163325"/>
+              </p:ext>
+            </p:extLst>
+          </p:nvPr>
+        </p:nvGraphicFramePr>
+        <p:xfrm>
+          <a:off x="2099731" y="2316480"/>
+          <a:ext cx="8128002" cy="1112520"/>
+        </p:xfrm>
+        <a:graphic>
+          <a:graphicData uri="http://schemas.openxmlformats.org/drawingml/2006/table">
+            <a:tbl>
+              <a:tblPr firstRow="1" bandRow="1">
+                <a:tableStyleId>{5C22544A-7EE6-4342-B048-85BDC9FD1C3A}</a:tableStyleId>
+              </a:tblPr>
+              <a:tblGrid>
+                <a:gridCol w="1354667">
+                  <a:extLst>
+                    <a:ext uri="{9D8B030D-6E8A-4147-A177-3AD203B41FA5}">
+                      <a16:colId xmlns:a16="http://schemas.microsoft.com/office/drawing/2014/main" val="1311575405"/>
+                    </a:ext>
+                  </a:extLst>
+                </a:gridCol>
+                <a:gridCol w="1354667">
+                  <a:extLst>
+                    <a:ext uri="{9D8B030D-6E8A-4147-A177-3AD203B41FA5}">
+                      <a16:colId xmlns:a16="http://schemas.microsoft.com/office/drawing/2014/main" val="3721039761"/>
+                    </a:ext>
+                  </a:extLst>
+                </a:gridCol>
+                <a:gridCol w="1354667">
+                  <a:extLst>
+                    <a:ext uri="{9D8B030D-6E8A-4147-A177-3AD203B41FA5}">
+                      <a16:colId xmlns:a16="http://schemas.microsoft.com/office/drawing/2014/main" val="3129513732"/>
+                    </a:ext>
+                  </a:extLst>
+                </a:gridCol>
+                <a:gridCol w="1354667">
+                  <a:extLst>
+                    <a:ext uri="{9D8B030D-6E8A-4147-A177-3AD203B41FA5}">
+                      <a16:colId xmlns:a16="http://schemas.microsoft.com/office/drawing/2014/main" val="969696767"/>
+                    </a:ext>
+                  </a:extLst>
+                </a:gridCol>
+                <a:gridCol w="1354667">
+                  <a:extLst>
+                    <a:ext uri="{9D8B030D-6E8A-4147-A177-3AD203B41FA5}">
+                      <a16:colId xmlns:a16="http://schemas.microsoft.com/office/drawing/2014/main" val="2198474824"/>
+                    </a:ext>
+                  </a:extLst>
+                </a:gridCol>
+                <a:gridCol w="1354667">
+                  <a:extLst>
+                    <a:ext uri="{9D8B030D-6E8A-4147-A177-3AD203B41FA5}">
+                      <a16:colId xmlns:a16="http://schemas.microsoft.com/office/drawing/2014/main" val="1938157238"/>
+                    </a:ext>
+                  </a:extLst>
+                </a:gridCol>
+              </a:tblGrid>
+              <a:tr h="370840">
+                <a:tc>
+                  <a:txBody>
+                    <a:bodyPr/>
+                    <a:lstStyle/>
+                    <a:p>
+                      <a:pPr algn="ctr"/>
+                      <a:endParaRPr lang="en-US" dirty="0"/>
+                    </a:p>
+                  </a:txBody>
+                  <a:tcPr anchor="ctr"/>
+                </a:tc>
+                <a:tc>
+                  <a:txBody>
+                    <a:bodyPr/>
+                    <a:lstStyle/>
+                    <a:p>
+                      <a:pPr algn="ctr"/>
+                      <a:r>
+                        <a:rPr lang="en-US" dirty="0"/>
+                        <a:t>X3000</a:t>
+                      </a:r>
+                    </a:p>
+                  </a:txBody>
+                  <a:tcPr anchor="ctr"/>
+                </a:tc>
+                <a:tc>
+                  <a:txBody>
+                    <a:bodyPr/>
+                    <a:lstStyle/>
+                    <a:p>
+                      <a:pPr algn="ctr"/>
+                      <a:r>
+                        <a:rPr lang="en-US" dirty="0"/>
+                        <a:t>X5000</a:t>
+                      </a:r>
+                    </a:p>
+                  </a:txBody>
+                  <a:tcPr anchor="ctr"/>
+                </a:tc>
+                <a:tc>
+                  <a:txBody>
+                    <a:bodyPr/>
+                    <a:lstStyle/>
+                    <a:p>
+                      <a:pPr algn="ctr"/>
+                      <a:r>
+                        <a:rPr lang="en-US" dirty="0"/>
+                        <a:t>A type</a:t>
+                      </a:r>
+                    </a:p>
+                  </a:txBody>
+                  <a:tcPr anchor="ctr"/>
+                </a:tc>
+                <a:tc>
+                  <a:txBody>
+                    <a:bodyPr/>
+                    <a:lstStyle/>
+                    <a:p>
+                      <a:pPr algn="ctr"/>
+                      <a:r>
+                        <a:rPr lang="en-US" dirty="0"/>
+                        <a:t>D3 type</a:t>
+                      </a:r>
+                    </a:p>
+                  </a:txBody>
+                  <a:tcPr anchor="ctr"/>
+                </a:tc>
+                <a:tc>
+                  <a:txBody>
+                    <a:bodyPr/>
+                    <a:lstStyle/>
+                    <a:p>
+                      <a:pPr algn="ctr"/>
+                      <a:r>
+                        <a:rPr lang="en-US" dirty="0"/>
+                        <a:t>H2 type</a:t>
+                      </a:r>
+                    </a:p>
+                  </a:txBody>
+                  <a:tcPr anchor="ctr"/>
+                </a:tc>
+                <a:extLst>
+                  <a:ext uri="{0D108BD9-81ED-4DB2-BD59-A6C34878D82A}">
+                    <a16:rowId xmlns:a16="http://schemas.microsoft.com/office/drawing/2014/main" val="3886530081"/>
+                  </a:ext>
+                </a:extLst>
+              </a:tr>
+              <a:tr h="370840">
+                <a:tc>
+                  <a:txBody>
+                    <a:bodyPr/>
+                    <a:lstStyle/>
+                    <a:p>
+                      <a:pPr algn="ctr"/>
+                      <a:r>
+                        <a:rPr lang="en-US" dirty="0"/>
+                        <a:t>UNet3+</a:t>
+                      </a:r>
+                    </a:p>
+                  </a:txBody>
+                  <a:tcPr anchor="ctr"/>
+                </a:tc>
+                <a:tc>
+                  <a:txBody>
+                    <a:bodyPr/>
+                    <a:lstStyle/>
+                    <a:p>
+                      <a:pPr algn="ctr"/>
+                      <a:r>
+                        <a:rPr lang="en-US" dirty="0"/>
+                        <a:t>0.7809</a:t>
+                      </a:r>
+                    </a:p>
+                  </a:txBody>
+                  <a:tcPr anchor="ctr"/>
+                </a:tc>
+                <a:tc>
+                  <a:txBody>
+                    <a:bodyPr/>
+                    <a:lstStyle/>
+                    <a:p>
+                      <a:pPr algn="ctr"/>
+                      <a:r>
+                        <a:rPr lang="en-US" dirty="0"/>
+                        <a:t>0.8895</a:t>
+                      </a:r>
+                    </a:p>
+                  </a:txBody>
+                  <a:tcPr anchor="ctr"/>
+                </a:tc>
+                <a:tc>
+                  <a:txBody>
+                    <a:bodyPr/>
+                    <a:lstStyle/>
+                    <a:p>
+                      <a:pPr algn="ctr"/>
+                      <a:r>
+                        <a:rPr lang="en-US" dirty="0"/>
+                        <a:t>0.7293</a:t>
+                      </a:r>
+                    </a:p>
+                  </a:txBody>
+                  <a:tcPr anchor="ctr"/>
+                </a:tc>
+                <a:tc>
+                  <a:txBody>
+                    <a:bodyPr/>
+                    <a:lstStyle/>
+                    <a:p>
+                      <a:pPr algn="ctr"/>
+                      <a:r>
+                        <a:rPr lang="en-US" dirty="0"/>
+                        <a:t>0.7692</a:t>
+                      </a:r>
+                    </a:p>
+                  </a:txBody>
+                  <a:tcPr anchor="ctr"/>
+                </a:tc>
+                <a:tc>
+                  <a:txBody>
+                    <a:bodyPr/>
+                    <a:lstStyle/>
+                    <a:p>
+                      <a:pPr algn="ctr"/>
+                      <a:r>
+                        <a:rPr lang="en-US" dirty="0"/>
+                        <a:t>0.7471</a:t>
+                      </a:r>
+                    </a:p>
+                  </a:txBody>
+                  <a:tcPr anchor="ctr"/>
+                </a:tc>
+                <a:extLst>
+                  <a:ext uri="{0D108BD9-81ED-4DB2-BD59-A6C34878D82A}">
+                    <a16:rowId xmlns:a16="http://schemas.microsoft.com/office/drawing/2014/main" val="1888863268"/>
+                  </a:ext>
+                </a:extLst>
+              </a:tr>
+              <a:tr h="370840">
+                <a:tc>
+                  <a:txBody>
+                    <a:bodyPr/>
+                    <a:lstStyle/>
+                    <a:p>
+                      <a:pPr algn="ctr"/>
+                      <a:r>
+                        <a:rPr lang="en-US" dirty="0" err="1"/>
+                        <a:t>EluNet</a:t>
+                      </a:r>
+                      <a:endParaRPr lang="en-US" dirty="0"/>
+                    </a:p>
+                  </a:txBody>
+                  <a:tcPr anchor="ctr"/>
+                </a:tc>
+                <a:tc>
+                  <a:txBody>
+                    <a:bodyPr/>
+                    <a:lstStyle/>
+                    <a:p>
+                      <a:pPr algn="ctr"/>
+                      <a:r>
+                        <a:rPr lang="en-US" dirty="0"/>
+                        <a:t>0.7823</a:t>
+                      </a:r>
+                    </a:p>
+                  </a:txBody>
+                  <a:tcPr anchor="ctr"/>
+                </a:tc>
+                <a:tc>
+                  <a:txBody>
+                    <a:bodyPr/>
+                    <a:lstStyle/>
+                    <a:p>
+                      <a:pPr algn="ctr"/>
+                      <a:r>
+                        <a:rPr lang="en-US" dirty="0"/>
+                        <a:t>0.8574</a:t>
+                      </a:r>
+                    </a:p>
+                  </a:txBody>
+                  <a:tcPr anchor="ctr"/>
+                </a:tc>
+                <a:tc>
+                  <a:txBody>
+                    <a:bodyPr/>
+                    <a:lstStyle/>
+                    <a:p>
+                      <a:pPr algn="ctr"/>
+                      <a:r>
+                        <a:rPr lang="en-US" dirty="0"/>
+                        <a:t>0.7470</a:t>
+                      </a:r>
+                    </a:p>
+                  </a:txBody>
+                  <a:tcPr anchor="ctr"/>
+                </a:tc>
+                <a:tc>
+                  <a:txBody>
+                    <a:bodyPr/>
+                    <a:lstStyle/>
+                    <a:p>
+                      <a:pPr algn="ctr"/>
+                      <a:r>
+                        <a:rPr lang="en-US" dirty="0"/>
+                        <a:t>0.7340</a:t>
+                      </a:r>
+                    </a:p>
+                  </a:txBody>
+                  <a:tcPr anchor="ctr"/>
+                </a:tc>
+                <a:tc>
+                  <a:txBody>
+                    <a:bodyPr/>
+                    <a:lstStyle/>
+                    <a:p>
+                      <a:pPr algn="ctr"/>
+                      <a:r>
+                        <a:rPr lang="en-US" dirty="0"/>
+                        <a:t>0.7132</a:t>
+                      </a:r>
+                    </a:p>
+                  </a:txBody>
+                  <a:tcPr anchor="ctr"/>
+                </a:tc>
+                <a:extLst>
+                  <a:ext uri="{0D108BD9-81ED-4DB2-BD59-A6C34878D82A}">
+                    <a16:rowId xmlns:a16="http://schemas.microsoft.com/office/drawing/2014/main" val="1188569585"/>
+                  </a:ext>
+                </a:extLst>
+              </a:tr>
+            </a:tbl>
+          </a:graphicData>
+        </a:graphic>
+      </p:graphicFrame>
+      <p:sp>
+        <p:nvSpPr>
+          <p:cNvPr id="7" name="Title 1">
+            <a:extLst>
+              <a:ext uri="{FF2B5EF4-FFF2-40B4-BE49-F238E27FC236}">
+                <a16:creationId xmlns:a16="http://schemas.microsoft.com/office/drawing/2014/main" id="{0636948F-5292-84E3-90D7-C8626546BB02}"/>
+              </a:ext>
+            </a:extLst>
+          </p:cNvPr>
+          <p:cNvSpPr txBox="1">
+            <a:spLocks/>
+          </p:cNvSpPr>
+          <p:nvPr/>
+        </p:nvSpPr>
+        <p:spPr>
+          <a:xfrm>
+            <a:off x="9237133" y="3429000"/>
+            <a:ext cx="1320800" cy="449871"/>
+          </a:xfrm>
+          <a:prstGeom prst="rect">
+            <a:avLst/>
+          </a:prstGeom>
+        </p:spPr>
+        <p:txBody>
+          <a:bodyPr vert="horz" lIns="91440" tIns="45720" rIns="91440" bIns="45720" rtlCol="0" anchor="ctr">
+            <a:normAutofit/>
+          </a:bodyPr>
+          <a:lstStyle>
+            <a:lvl1pPr algn="l" defTabSz="914400" rtl="0" eaLnBrk="1" latinLnBrk="0" hangingPunct="1">
+              <a:lnSpc>
+                <a:spcPct val="90000"/>
+              </a:lnSpc>
+              <a:spcBef>
+                <a:spcPct val="0"/>
+              </a:spcBef>
+              <a:buNone/>
+              <a:defRPr sz="4400" kern="1200">
+                <a:solidFill>
+                  <a:schemeClr val="tx1"/>
+                </a:solidFill>
+                <a:latin typeface="+mj-lt"/>
+                <a:ea typeface="+mj-ea"/>
+                <a:cs typeface="+mj-cs"/>
+              </a:defRPr>
+            </a:lvl1pPr>
+          </a:lstStyle>
+          <a:p>
+            <a:r>
+              <a:rPr lang="en-US" sz="1500" dirty="0"/>
+              <a:t>Dice Scores</a:t>
+            </a:r>
+          </a:p>
+        </p:txBody>
+      </p:sp>
+      <p:sp>
+        <p:nvSpPr>
+          <p:cNvPr id="17" name="Title 1">
+            <a:extLst>
+              <a:ext uri="{FF2B5EF4-FFF2-40B4-BE49-F238E27FC236}">
+                <a16:creationId xmlns:a16="http://schemas.microsoft.com/office/drawing/2014/main" id="{1D8555EC-9655-BE6F-1F6E-07B2AE7ACF73}"/>
+              </a:ext>
+            </a:extLst>
+          </p:cNvPr>
+          <p:cNvSpPr txBox="1">
+            <a:spLocks/>
+          </p:cNvSpPr>
+          <p:nvPr/>
+        </p:nvSpPr>
+        <p:spPr>
+          <a:xfrm>
+            <a:off x="905933" y="2647804"/>
+            <a:ext cx="1320800" cy="449871"/>
+          </a:xfrm>
+          <a:prstGeom prst="rect">
+            <a:avLst/>
+          </a:prstGeom>
+        </p:spPr>
+        <p:txBody>
+          <a:bodyPr vert="horz" lIns="91440" tIns="45720" rIns="91440" bIns="45720" rtlCol="0" anchor="ctr">
+            <a:normAutofit/>
+          </a:bodyPr>
+          <a:lstStyle>
+            <a:lvl1pPr algn="l" defTabSz="914400" rtl="0" eaLnBrk="1" latinLnBrk="0" hangingPunct="1">
+              <a:lnSpc>
+                <a:spcPct val="90000"/>
+              </a:lnSpc>
+              <a:spcBef>
+                <a:spcPct val="0"/>
+              </a:spcBef>
+              <a:buNone/>
+              <a:defRPr sz="4400" kern="1200">
+                <a:solidFill>
+                  <a:schemeClr val="tx1"/>
+                </a:solidFill>
+                <a:latin typeface="+mj-lt"/>
+                <a:ea typeface="+mj-ea"/>
+                <a:cs typeface="+mj-cs"/>
+              </a:defRPr>
+            </a:lvl1pPr>
+          </a:lstStyle>
+          <a:p>
+            <a:r>
+              <a:rPr lang="en-US" sz="1500" dirty="0"/>
+              <a:t>50 Epochs</a:t>
+            </a:r>
+          </a:p>
+        </p:txBody>
+      </p:sp>
+      <p:sp>
+        <p:nvSpPr>
+          <p:cNvPr id="18" name="Title 1">
+            <a:extLst>
+              <a:ext uri="{FF2B5EF4-FFF2-40B4-BE49-F238E27FC236}">
+                <a16:creationId xmlns:a16="http://schemas.microsoft.com/office/drawing/2014/main" id="{0F3A3BC4-4C20-70FF-7698-CCE4E761CAA6}"/>
+              </a:ext>
+            </a:extLst>
+          </p:cNvPr>
+          <p:cNvSpPr txBox="1">
+            <a:spLocks/>
+          </p:cNvSpPr>
+          <p:nvPr/>
+        </p:nvSpPr>
+        <p:spPr>
+          <a:xfrm>
+            <a:off x="905933" y="3038402"/>
+            <a:ext cx="1320800" cy="449871"/>
+          </a:xfrm>
+          <a:prstGeom prst="rect">
+            <a:avLst/>
+          </a:prstGeom>
+        </p:spPr>
+        <p:txBody>
+          <a:bodyPr vert="horz" lIns="91440" tIns="45720" rIns="91440" bIns="45720" rtlCol="0" anchor="ctr">
+            <a:normAutofit/>
+          </a:bodyPr>
+          <a:lstStyle>
+            <a:lvl1pPr algn="l" defTabSz="914400" rtl="0" eaLnBrk="1" latinLnBrk="0" hangingPunct="1">
+              <a:lnSpc>
+                <a:spcPct val="90000"/>
+              </a:lnSpc>
+              <a:spcBef>
+                <a:spcPct val="0"/>
+              </a:spcBef>
+              <a:buNone/>
+              <a:defRPr sz="4400" kern="1200">
+                <a:solidFill>
+                  <a:schemeClr val="tx1"/>
+                </a:solidFill>
+                <a:latin typeface="+mj-lt"/>
+                <a:ea typeface="+mj-ea"/>
+                <a:cs typeface="+mj-cs"/>
+              </a:defRPr>
+            </a:lvl1pPr>
+          </a:lstStyle>
+          <a:p>
+            <a:r>
+              <a:rPr lang="en-US" sz="1500" dirty="0"/>
+              <a:t>50 Epochs</a:t>
             </a:r>
           </a:p>
         </p:txBody>
